--- a/deliverables/showcase.pptx
+++ b/deliverables/showcase.pptx
@@ -208,7 +208,7 @@
           <a:p>
             <a:fld id="{6A0F887A-149B-4C3B-B52C-EB188ABC5297}" type="datetimeFigureOut">
               <a:rPr lang="it-IT" smtClean="0"/>
-              <a:t>15/01/2023</a:t>
+              <a:t>27/01/2023</a:t>
             </a:fld>
             <a:endParaRPr lang="it-IT"/>
           </a:p>
@@ -706,7 +706,7 @@
           <a:p>
             <a:fld id="{E991E94F-BCC9-44FF-96C1-91906B07ED9A}" type="datetimeFigureOut">
               <a:rPr lang="it-IT" smtClean="0"/>
-              <a:t>15/01/2023</a:t>
+              <a:t>27/01/2023</a:t>
             </a:fld>
             <a:endParaRPr lang="it-IT"/>
           </a:p>
@@ -904,7 +904,7 @@
           <a:p>
             <a:fld id="{E991E94F-BCC9-44FF-96C1-91906B07ED9A}" type="datetimeFigureOut">
               <a:rPr lang="it-IT" smtClean="0"/>
-              <a:t>15/01/2023</a:t>
+              <a:t>27/01/2023</a:t>
             </a:fld>
             <a:endParaRPr lang="it-IT"/>
           </a:p>
@@ -1112,7 +1112,7 @@
           <a:p>
             <a:fld id="{E991E94F-BCC9-44FF-96C1-91906B07ED9A}" type="datetimeFigureOut">
               <a:rPr lang="it-IT" smtClean="0"/>
-              <a:t>15/01/2023</a:t>
+              <a:t>27/01/2023</a:t>
             </a:fld>
             <a:endParaRPr lang="it-IT"/>
           </a:p>
@@ -1310,7 +1310,7 @@
           <a:p>
             <a:fld id="{E991E94F-BCC9-44FF-96C1-91906B07ED9A}" type="datetimeFigureOut">
               <a:rPr lang="it-IT" smtClean="0"/>
-              <a:t>15/01/2023</a:t>
+              <a:t>27/01/2023</a:t>
             </a:fld>
             <a:endParaRPr lang="it-IT"/>
           </a:p>
@@ -1585,7 +1585,7 @@
           <a:p>
             <a:fld id="{E991E94F-BCC9-44FF-96C1-91906B07ED9A}" type="datetimeFigureOut">
               <a:rPr lang="it-IT" smtClean="0"/>
-              <a:t>15/01/2023</a:t>
+              <a:t>27/01/2023</a:t>
             </a:fld>
             <a:endParaRPr lang="it-IT"/>
           </a:p>
@@ -1850,7 +1850,7 @@
           <a:p>
             <a:fld id="{E991E94F-BCC9-44FF-96C1-91906B07ED9A}" type="datetimeFigureOut">
               <a:rPr lang="it-IT" smtClean="0"/>
-              <a:t>15/01/2023</a:t>
+              <a:t>27/01/2023</a:t>
             </a:fld>
             <a:endParaRPr lang="it-IT"/>
           </a:p>
@@ -2262,7 +2262,7 @@
           <a:p>
             <a:fld id="{E991E94F-BCC9-44FF-96C1-91906B07ED9A}" type="datetimeFigureOut">
               <a:rPr lang="it-IT" smtClean="0"/>
-              <a:t>15/01/2023</a:t>
+              <a:t>27/01/2023</a:t>
             </a:fld>
             <a:endParaRPr lang="it-IT"/>
           </a:p>
@@ -2403,7 +2403,7 @@
           <a:p>
             <a:fld id="{E991E94F-BCC9-44FF-96C1-91906B07ED9A}" type="datetimeFigureOut">
               <a:rPr lang="it-IT" smtClean="0"/>
-              <a:t>15/01/2023</a:t>
+              <a:t>27/01/2023</a:t>
             </a:fld>
             <a:endParaRPr lang="it-IT"/>
           </a:p>
@@ -2516,7 +2516,7 @@
           <a:p>
             <a:fld id="{E991E94F-BCC9-44FF-96C1-91906B07ED9A}" type="datetimeFigureOut">
               <a:rPr lang="it-IT" smtClean="0"/>
-              <a:t>15/01/2023</a:t>
+              <a:t>27/01/2023</a:t>
             </a:fld>
             <a:endParaRPr lang="it-IT"/>
           </a:p>
@@ -2827,7 +2827,7 @@
           <a:p>
             <a:fld id="{E991E94F-BCC9-44FF-96C1-91906B07ED9A}" type="datetimeFigureOut">
               <a:rPr lang="it-IT" smtClean="0"/>
-              <a:t>15/01/2023</a:t>
+              <a:t>27/01/2023</a:t>
             </a:fld>
             <a:endParaRPr lang="it-IT"/>
           </a:p>
@@ -3115,7 +3115,7 @@
           <a:p>
             <a:fld id="{E991E94F-BCC9-44FF-96C1-91906B07ED9A}" type="datetimeFigureOut">
               <a:rPr lang="it-IT" smtClean="0"/>
-              <a:t>15/01/2023</a:t>
+              <a:t>27/01/2023</a:t>
             </a:fld>
             <a:endParaRPr lang="it-IT"/>
           </a:p>
@@ -3356,7 +3356,7 @@
           <a:p>
             <a:fld id="{E991E94F-BCC9-44FF-96C1-91906B07ED9A}" type="datetimeFigureOut">
               <a:rPr lang="it-IT" smtClean="0"/>
-              <a:t>15/01/2023</a:t>
+              <a:t>27/01/2023</a:t>
             </a:fld>
             <a:endParaRPr lang="it-IT"/>
           </a:p>
@@ -7912,8 +7912,8 @@
         </p:blipFill>
         <p:spPr bwMode="auto">
           <a:xfrm>
-            <a:off x="3250655" y="3590108"/>
-            <a:ext cx="2691798" cy="1434397"/>
+            <a:off x="7319072" y="2130115"/>
+            <a:ext cx="3573655" cy="1904318"/>
           </a:xfrm>
           <a:prstGeom prst="rect">
             <a:avLst/>
@@ -7932,10 +7932,10 @@
       </p:pic>
       <p:pic>
         <p:nvPicPr>
-          <p:cNvPr id="2054" name="Picture 6" descr="Serverless Optimization Workshop (Performance and Cost)">
-            <a:extLst>
-              <a:ext uri="{FF2B5EF4-FFF2-40B4-BE49-F238E27FC236}">
-                <a16:creationId xmlns:a16="http://schemas.microsoft.com/office/drawing/2014/main" id="{4BEAE546-48F3-4EBD-25D9-C48106EB6F8A}"/>
+          <p:cNvPr id="8" name="Picture 4" descr="Understanding Docker, Containers and Safer Software Delivery - SitePoint">
+            <a:extLst>
+              <a:ext uri="{FF2B5EF4-FFF2-40B4-BE49-F238E27FC236}">
+                <a16:creationId xmlns:a16="http://schemas.microsoft.com/office/drawing/2014/main" id="{B66E4325-592F-C9C5-A616-9EC122BD9024}"/>
               </a:ext>
             </a:extLst>
           </p:cNvPr>
@@ -7959,8 +7959,8 @@
         </p:blipFill>
         <p:spPr bwMode="auto">
           <a:xfrm>
-            <a:off x="1653170" y="3706366"/>
-            <a:ext cx="1451610" cy="1434397"/>
+            <a:off x="1061113" y="2627127"/>
+            <a:ext cx="3808723" cy="910295"/>
           </a:xfrm>
           <a:prstGeom prst="rect">
             <a:avLst/>
@@ -7977,286 +7977,6 @@
           </a:extLst>
         </p:spPr>
       </p:pic>
-      <p:pic>
-        <p:nvPicPr>
-          <p:cNvPr id="2056" name="Picture 8" descr="Writing A Custom Terraform Provider | BoxBoat">
-            <a:extLst>
-              <a:ext uri="{FF2B5EF4-FFF2-40B4-BE49-F238E27FC236}">
-                <a16:creationId xmlns:a16="http://schemas.microsoft.com/office/drawing/2014/main" id="{D13F8657-3F40-1CE8-080C-35462CD56337}"/>
-              </a:ext>
-            </a:extLst>
-          </p:cNvPr>
-          <p:cNvPicPr>
-            <a:picLocks noChangeAspect="1" noChangeArrowheads="1"/>
-          </p:cNvPicPr>
-          <p:nvPr/>
-        </p:nvPicPr>
-        <p:blipFill>
-          <a:blip r:embed="rId4">
-            <a:extLst>
-              <a:ext uri="{28A0092B-C50C-407E-A947-70E740481C1C}">
-                <a14:useLocalDpi xmlns:a14="http://schemas.microsoft.com/office/drawing/2010/main" val="0"/>
-              </a:ext>
-            </a:extLst>
-          </a:blip>
-          <a:srcRect/>
-          <a:stretch>
-            <a:fillRect/>
-          </a:stretch>
-        </p:blipFill>
-        <p:spPr bwMode="auto">
-          <a:xfrm>
-            <a:off x="8233533" y="3824807"/>
-            <a:ext cx="2400054" cy="1200027"/>
-          </a:xfrm>
-          <a:prstGeom prst="rect">
-            <a:avLst/>
-          </a:prstGeom>
-          <a:noFill/>
-          <a:extLst>
-            <a:ext uri="{909E8E84-426E-40DD-AFC4-6F175D3DCCD1}">
-              <a14:hiddenFill xmlns:a14="http://schemas.microsoft.com/office/drawing/2010/main">
-                <a:solidFill>
-                  <a:srgbClr val="FFFFFF"/>
-                </a:solidFill>
-              </a14:hiddenFill>
-            </a:ext>
-          </a:extLst>
-        </p:spPr>
-      </p:pic>
-      <p:pic>
-        <p:nvPicPr>
-          <p:cNvPr id="3" name="Picture 2" descr="Step by Step Creation of an EC2 Instance in AWS and Access it via… –  Towards AI">
-            <a:extLst>
-              <a:ext uri="{FF2B5EF4-FFF2-40B4-BE49-F238E27FC236}">
-                <a16:creationId xmlns:a16="http://schemas.microsoft.com/office/drawing/2014/main" id="{77075CFD-70AD-783E-5004-43465F15D42A}"/>
-              </a:ext>
-            </a:extLst>
-          </p:cNvPr>
-          <p:cNvPicPr>
-            <a:picLocks noChangeAspect="1" noChangeArrowheads="1"/>
-          </p:cNvPicPr>
-          <p:nvPr/>
-        </p:nvPicPr>
-        <p:blipFill>
-          <a:blip r:embed="rId5">
-            <a:extLst>
-              <a:ext uri="{28A0092B-C50C-407E-A947-70E740481C1C}">
-                <a14:useLocalDpi xmlns:a14="http://schemas.microsoft.com/office/drawing/2010/main" val="0"/>
-              </a:ext>
-            </a:extLst>
-          </a:blip>
-          <a:srcRect/>
-          <a:stretch>
-            <a:fillRect/>
-          </a:stretch>
-        </p:blipFill>
-        <p:spPr bwMode="auto">
-          <a:xfrm>
-            <a:off x="1141033" y="1529001"/>
-            <a:ext cx="2463167" cy="1573689"/>
-          </a:xfrm>
-          <a:prstGeom prst="rect">
-            <a:avLst/>
-          </a:prstGeom>
-          <a:noFill/>
-          <a:extLst>
-            <a:ext uri="{909E8E84-426E-40DD-AFC4-6F175D3DCCD1}">
-              <a14:hiddenFill xmlns:a14="http://schemas.microsoft.com/office/drawing/2010/main">
-                <a:solidFill>
-                  <a:srgbClr val="FFFFFF"/>
-                </a:solidFill>
-              </a14:hiddenFill>
-            </a:ext>
-          </a:extLst>
-        </p:spPr>
-      </p:pic>
-      <p:pic>
-        <p:nvPicPr>
-          <p:cNvPr id="8" name="Picture 4" descr="Understanding Docker, Containers and Safer Software Delivery - SitePoint">
-            <a:extLst>
-              <a:ext uri="{FF2B5EF4-FFF2-40B4-BE49-F238E27FC236}">
-                <a16:creationId xmlns:a16="http://schemas.microsoft.com/office/drawing/2014/main" id="{B66E4325-592F-C9C5-A616-9EC122BD9024}"/>
-              </a:ext>
-            </a:extLst>
-          </p:cNvPr>
-          <p:cNvPicPr>
-            <a:picLocks noChangeAspect="1" noChangeArrowheads="1"/>
-          </p:cNvPicPr>
-          <p:nvPr/>
-        </p:nvPicPr>
-        <p:blipFill>
-          <a:blip r:embed="rId6">
-            <a:extLst>
-              <a:ext uri="{28A0092B-C50C-407E-A947-70E740481C1C}">
-                <a14:useLocalDpi xmlns:a14="http://schemas.microsoft.com/office/drawing/2010/main" val="0"/>
-              </a:ext>
-            </a:extLst>
-          </a:blip>
-          <a:srcRect/>
-          <a:stretch>
-            <a:fillRect/>
-          </a:stretch>
-        </p:blipFill>
-        <p:spPr bwMode="auto">
-          <a:xfrm>
-            <a:off x="3244412" y="1903884"/>
-            <a:ext cx="2704284" cy="646331"/>
-          </a:xfrm>
-          <a:prstGeom prst="rect">
-            <a:avLst/>
-          </a:prstGeom>
-          <a:noFill/>
-          <a:extLst>
-            <a:ext uri="{909E8E84-426E-40DD-AFC4-6F175D3DCCD1}">
-              <a14:hiddenFill xmlns:a14="http://schemas.microsoft.com/office/drawing/2010/main">
-                <a:solidFill>
-                  <a:srgbClr val="FFFFFF"/>
-                </a:solidFill>
-              </a14:hiddenFill>
-            </a:ext>
-          </a:extLst>
-        </p:spPr>
-      </p:pic>
-      <p:pic>
-        <p:nvPicPr>
-          <p:cNvPr id="13" name="Picture 6" descr="Node.js - Wikipedia">
-            <a:extLst>
-              <a:ext uri="{FF2B5EF4-FFF2-40B4-BE49-F238E27FC236}">
-                <a16:creationId xmlns:a16="http://schemas.microsoft.com/office/drawing/2014/main" id="{E9488362-C67B-9FA9-9FDF-54049A769A87}"/>
-              </a:ext>
-            </a:extLst>
-          </p:cNvPr>
-          <p:cNvPicPr>
-            <a:picLocks noChangeAspect="1" noChangeArrowheads="1"/>
-          </p:cNvPicPr>
-          <p:nvPr/>
-        </p:nvPicPr>
-        <p:blipFill>
-          <a:blip r:embed="rId7">
-            <a:extLst>
-              <a:ext uri="{28A0092B-C50C-407E-A947-70E740481C1C}">
-                <a14:useLocalDpi xmlns:a14="http://schemas.microsoft.com/office/drawing/2010/main" val="0"/>
-              </a:ext>
-            </a:extLst>
-          </a:blip>
-          <a:srcRect/>
-          <a:stretch>
-            <a:fillRect/>
-          </a:stretch>
-        </p:blipFill>
-        <p:spPr bwMode="auto">
-          <a:xfrm>
-            <a:off x="6458804" y="1846383"/>
-            <a:ext cx="1499339" cy="917053"/>
-          </a:xfrm>
-          <a:prstGeom prst="rect">
-            <a:avLst/>
-          </a:prstGeom>
-          <a:noFill/>
-          <a:extLst>
-            <a:ext uri="{909E8E84-426E-40DD-AFC4-6F175D3DCCD1}">
-              <a14:hiddenFill xmlns:a14="http://schemas.microsoft.com/office/drawing/2010/main">
-                <a:solidFill>
-                  <a:srgbClr val="FFFFFF"/>
-                </a:solidFill>
-              </a14:hiddenFill>
-            </a:ext>
-          </a:extLst>
-        </p:spPr>
-      </p:pic>
-      <p:pic>
-        <p:nvPicPr>
-          <p:cNvPr id="14" name="Picture 8" descr="Ubuntu 22.04, beta disponibile con diverse novità | TechRadar">
-            <a:extLst>
-              <a:ext uri="{FF2B5EF4-FFF2-40B4-BE49-F238E27FC236}">
-                <a16:creationId xmlns:a16="http://schemas.microsoft.com/office/drawing/2014/main" id="{513E648D-8DED-201C-A57A-D33FCF5ED532}"/>
-              </a:ext>
-            </a:extLst>
-          </p:cNvPr>
-          <p:cNvPicPr>
-            <a:picLocks noChangeAspect="1" noChangeArrowheads="1"/>
-          </p:cNvPicPr>
-          <p:nvPr/>
-        </p:nvPicPr>
-        <p:blipFill>
-          <a:blip r:embed="rId8">
-            <a:extLst>
-              <a:ext uri="{28A0092B-C50C-407E-A947-70E740481C1C}">
-                <a14:useLocalDpi xmlns:a14="http://schemas.microsoft.com/office/drawing/2010/main" val="0"/>
-              </a:ext>
-            </a:extLst>
-          </a:blip>
-          <a:srcRect/>
-          <a:stretch>
-            <a:fillRect/>
-          </a:stretch>
-        </p:blipFill>
-        <p:spPr bwMode="auto">
-          <a:xfrm>
-            <a:off x="8514802" y="1753216"/>
-            <a:ext cx="1837516" cy="1032418"/>
-          </a:xfrm>
-          <a:prstGeom prst="rect">
-            <a:avLst/>
-          </a:prstGeom>
-          <a:noFill/>
-          <a:extLst>
-            <a:ext uri="{909E8E84-426E-40DD-AFC4-6F175D3DCCD1}">
-              <a14:hiddenFill xmlns:a14="http://schemas.microsoft.com/office/drawing/2010/main">
-                <a:solidFill>
-                  <a:srgbClr val="FFFFFF"/>
-                </a:solidFill>
-              </a14:hiddenFill>
-            </a:ext>
-          </a:extLst>
-        </p:spPr>
-      </p:pic>
-      <p:cxnSp>
-        <p:nvCxnSpPr>
-          <p:cNvPr id="16" name="Connettore 2 15">
-            <a:extLst>
-              <a:ext uri="{FF2B5EF4-FFF2-40B4-BE49-F238E27FC236}">
-                <a16:creationId xmlns:a16="http://schemas.microsoft.com/office/drawing/2014/main" id="{33291BD5-ABB9-5D6A-BFC0-22DFCB74BEA8}"/>
-              </a:ext>
-            </a:extLst>
-          </p:cNvPr>
-          <p:cNvCxnSpPr>
-            <a:stCxn id="3" idx="2"/>
-            <a:endCxn id="2054" idx="0"/>
-          </p:cNvCxnSpPr>
-          <p:nvPr/>
-        </p:nvCxnSpPr>
-        <p:spPr>
-          <a:xfrm>
-            <a:off x="2372617" y="3102690"/>
-            <a:ext cx="6358" cy="603676"/>
-          </a:xfrm>
-          <a:prstGeom prst="straightConnector1">
-            <a:avLst/>
-          </a:prstGeom>
-          <a:ln w="38100">
-            <a:solidFill>
-              <a:srgbClr val="002060"/>
-            </a:solidFill>
-            <a:tailEnd type="triangle"/>
-          </a:ln>
-        </p:spPr>
-        <p:style>
-          <a:lnRef idx="1">
-            <a:schemeClr val="accent1"/>
-          </a:lnRef>
-          <a:fillRef idx="0">
-            <a:schemeClr val="accent1"/>
-          </a:fillRef>
-          <a:effectRef idx="0">
-            <a:schemeClr val="accent1"/>
-          </a:effectRef>
-          <a:fontRef idx="minor">
-            <a:schemeClr val="tx1"/>
-          </a:fontRef>
-        </p:style>
-      </p:cxnSp>
       <p:cxnSp>
         <p:nvCxnSpPr>
           <p:cNvPr id="18" name="Connettore 2 17">
@@ -8268,144 +7988,14 @@
           </p:cNvPr>
           <p:cNvCxnSpPr>
             <a:cxnSpLocks/>
-            <a:stCxn id="8" idx="2"/>
-            <a:endCxn id="2050" idx="0"/>
+            <a:endCxn id="2050" idx="1"/>
           </p:cNvCxnSpPr>
           <p:nvPr/>
         </p:nvCxnSpPr>
         <p:spPr>
           <a:xfrm>
-            <a:off x="4596554" y="2550215"/>
-            <a:ext cx="0" cy="1039893"/>
-          </a:xfrm>
-          <a:prstGeom prst="straightConnector1">
-            <a:avLst/>
-          </a:prstGeom>
-          <a:ln w="38100">
-            <a:solidFill>
-              <a:srgbClr val="002060"/>
-            </a:solidFill>
-            <a:tailEnd type="triangle"/>
-          </a:ln>
-        </p:spPr>
-        <p:style>
-          <a:lnRef idx="1">
-            <a:schemeClr val="accent1"/>
-          </a:lnRef>
-          <a:fillRef idx="0">
-            <a:schemeClr val="accent1"/>
-          </a:fillRef>
-          <a:effectRef idx="0">
-            <a:schemeClr val="accent1"/>
-          </a:effectRef>
-          <a:fontRef idx="minor">
-            <a:schemeClr val="tx1"/>
-          </a:fontRef>
-        </p:style>
-      </p:cxnSp>
-      <p:cxnSp>
-        <p:nvCxnSpPr>
-          <p:cNvPr id="27" name="Connettore 2 26">
-            <a:extLst>
-              <a:ext uri="{FF2B5EF4-FFF2-40B4-BE49-F238E27FC236}">
-                <a16:creationId xmlns:a16="http://schemas.microsoft.com/office/drawing/2014/main" id="{0D1D64F3-CFAA-72FC-E962-65D397E88985}"/>
-              </a:ext>
-            </a:extLst>
-          </p:cNvPr>
-          <p:cNvCxnSpPr>
-            <a:cxnSpLocks/>
-            <a:stCxn id="14" idx="2"/>
-            <a:endCxn id="2056" idx="0"/>
-          </p:cNvCxnSpPr>
-          <p:nvPr/>
-        </p:nvCxnSpPr>
-        <p:spPr>
-          <a:xfrm>
-            <a:off x="9433560" y="2785634"/>
-            <a:ext cx="0" cy="1039173"/>
-          </a:xfrm>
-          <a:prstGeom prst="straightConnector1">
-            <a:avLst/>
-          </a:prstGeom>
-          <a:ln w="38100">
-            <a:solidFill>
-              <a:srgbClr val="002060"/>
-            </a:solidFill>
-            <a:tailEnd type="triangle"/>
-          </a:ln>
-        </p:spPr>
-        <p:style>
-          <a:lnRef idx="1">
-            <a:schemeClr val="accent1"/>
-          </a:lnRef>
-          <a:fillRef idx="0">
-            <a:schemeClr val="accent1"/>
-          </a:fillRef>
-          <a:effectRef idx="0">
-            <a:schemeClr val="accent1"/>
-          </a:effectRef>
-          <a:fontRef idx="minor">
-            <a:schemeClr val="tx1"/>
-          </a:fontRef>
-        </p:style>
-      </p:cxnSp>
-      <p:pic>
-        <p:nvPicPr>
-          <p:cNvPr id="37" name="Elemento grafico 36">
-            <a:extLst>
-              <a:ext uri="{FF2B5EF4-FFF2-40B4-BE49-F238E27FC236}">
-                <a16:creationId xmlns:a16="http://schemas.microsoft.com/office/drawing/2014/main" id="{21877F8E-D935-C818-8C07-87AA0248CEA4}"/>
-              </a:ext>
-            </a:extLst>
-          </p:cNvPr>
-          <p:cNvPicPr>
-            <a:picLocks noChangeAspect="1"/>
-          </p:cNvPicPr>
-          <p:nvPr/>
-        </p:nvPicPr>
-        <p:blipFill>
-          <a:blip r:embed="rId9">
-            <a:extLst>
-              <a:ext uri="{28A0092B-C50C-407E-A947-70E740481C1C}">
-                <a14:useLocalDpi xmlns:a14="http://schemas.microsoft.com/office/drawing/2010/main" val="0"/>
-              </a:ext>
-              <a:ext uri="{96DAC541-7B7A-43D3-8B79-37D633B846F1}">
-                <asvg:svgBlip xmlns:asvg="http://schemas.microsoft.com/office/drawing/2016/SVG/main" r:embed="rId10"/>
-              </a:ext>
-            </a:extLst>
-          </a:blip>
-          <a:stretch>
-            <a:fillRect/>
-          </a:stretch>
-        </p:blipFill>
-        <p:spPr>
-          <a:xfrm>
-            <a:off x="6515192" y="3781114"/>
-            <a:ext cx="1254576" cy="1211920"/>
-          </a:xfrm>
-          <a:prstGeom prst="rect">
-            <a:avLst/>
-          </a:prstGeom>
-        </p:spPr>
-      </p:pic>
-      <p:cxnSp>
-        <p:nvCxnSpPr>
-          <p:cNvPr id="41" name="Connettore 2 40">
-            <a:extLst>
-              <a:ext uri="{FF2B5EF4-FFF2-40B4-BE49-F238E27FC236}">
-                <a16:creationId xmlns:a16="http://schemas.microsoft.com/office/drawing/2014/main" id="{784A8CCB-4481-43C3-7A97-198861BB08A9}"/>
-              </a:ext>
-            </a:extLst>
-          </p:cNvPr>
-          <p:cNvCxnSpPr>
-            <a:cxnSpLocks/>
-          </p:cNvCxnSpPr>
-          <p:nvPr/>
-        </p:nvCxnSpPr>
-        <p:spPr>
-          <a:xfrm>
-            <a:off x="7150857" y="2802835"/>
-            <a:ext cx="0" cy="938880"/>
+            <a:off x="5400881" y="3082274"/>
+            <a:ext cx="1918191" cy="0"/>
           </a:xfrm>
           <a:prstGeom prst="straightConnector1">
             <a:avLst/>
